--- a/Documentação/Apresentação/Sprint03.pptx
+++ b/Documentação/Apresentação/Sprint03.pptx
@@ -9054,7 +9054,7 @@
         <a:spcBef>
           <a:spcPts val="1000"/>
         </a:spcBef>
-        <a:buFont typeface="Arial" panose="020B0604020202020204" pitchFamily="34" charset="0"/>
+        <a:buFont typeface="Arial" panose="02080604020202020204" pitchFamily="34" charset="0"/>
         <a:buChar char="•"/>
         <a:defRPr sz="2800" kern="1200">
           <a:solidFill>
@@ -9072,7 +9072,7 @@
         <a:spcBef>
           <a:spcPts val="500"/>
         </a:spcBef>
-        <a:buFont typeface="Arial" panose="020B0604020202020204" pitchFamily="34" charset="0"/>
+        <a:buFont typeface="Arial" panose="02080604020202020204" pitchFamily="34" charset="0"/>
         <a:buChar char="•"/>
         <a:defRPr sz="2400" kern="1200">
           <a:solidFill>
@@ -9090,7 +9090,7 @@
         <a:spcBef>
           <a:spcPts val="500"/>
         </a:spcBef>
-        <a:buFont typeface="Arial" panose="020B0604020202020204" pitchFamily="34" charset="0"/>
+        <a:buFont typeface="Arial" panose="02080604020202020204" pitchFamily="34" charset="0"/>
         <a:buChar char="•"/>
         <a:defRPr sz="2000" kern="1200">
           <a:solidFill>
@@ -9108,7 +9108,7 @@
         <a:spcBef>
           <a:spcPts val="500"/>
         </a:spcBef>
-        <a:buFont typeface="Arial" panose="020B0604020202020204" pitchFamily="34" charset="0"/>
+        <a:buFont typeface="Arial" panose="02080604020202020204" pitchFamily="34" charset="0"/>
         <a:buChar char="•"/>
         <a:defRPr sz="1800" kern="1200">
           <a:solidFill>
@@ -9126,7 +9126,7 @@
         <a:spcBef>
           <a:spcPts val="500"/>
         </a:spcBef>
-        <a:buFont typeface="Arial" panose="020B0604020202020204" pitchFamily="34" charset="0"/>
+        <a:buFont typeface="Arial" panose="02080604020202020204" pitchFamily="34" charset="0"/>
         <a:buChar char="•"/>
         <a:defRPr sz="1800" kern="1200">
           <a:solidFill>
@@ -9144,7 +9144,7 @@
         <a:spcBef>
           <a:spcPts val="500"/>
         </a:spcBef>
-        <a:buFont typeface="Arial" panose="020B0604020202020204" pitchFamily="34" charset="0"/>
+        <a:buFont typeface="Arial" panose="02080604020202020204" pitchFamily="34" charset="0"/>
         <a:buChar char="•"/>
         <a:defRPr sz="1800" kern="1200">
           <a:solidFill>
@@ -9162,7 +9162,7 @@
         <a:spcBef>
           <a:spcPts val="500"/>
         </a:spcBef>
-        <a:buFont typeface="Arial" panose="020B0604020202020204" pitchFamily="34" charset="0"/>
+        <a:buFont typeface="Arial" panose="02080604020202020204" pitchFamily="34" charset="0"/>
         <a:buChar char="•"/>
         <a:defRPr sz="1800" kern="1200">
           <a:solidFill>
@@ -9180,7 +9180,7 @@
         <a:spcBef>
           <a:spcPts val="500"/>
         </a:spcBef>
-        <a:buFont typeface="Arial" panose="020B0604020202020204" pitchFamily="34" charset="0"/>
+        <a:buFont typeface="Arial" panose="02080604020202020204" pitchFamily="34" charset="0"/>
         <a:buChar char="•"/>
         <a:defRPr sz="1800" kern="1200">
           <a:solidFill>
@@ -9198,7 +9198,7 @@
         <a:spcBef>
           <a:spcPts val="500"/>
         </a:spcBef>
-        <a:buFont typeface="Arial" panose="020B0604020202020204" pitchFamily="34" charset="0"/>
+        <a:buFont typeface="Arial" panose="02080604020202020204" pitchFamily="34" charset="0"/>
         <a:buChar char="•"/>
         <a:defRPr sz="1800" kern="1200">
           <a:solidFill>
@@ -9644,7 +9644,7 @@
         <a:spcBef>
           <a:spcPts val="1000"/>
         </a:spcBef>
-        <a:buFont typeface="Arial" panose="020B0604020202020204" pitchFamily="34" charset="0"/>
+        <a:buFont typeface="Arial" panose="02080604020202020204" pitchFamily="34" charset="0"/>
         <a:buChar char="•"/>
         <a:defRPr sz="2800" kern="1200">
           <a:solidFill>
@@ -9662,7 +9662,7 @@
         <a:spcBef>
           <a:spcPts val="500"/>
         </a:spcBef>
-        <a:buFont typeface="Arial" panose="020B0604020202020204" pitchFamily="34" charset="0"/>
+        <a:buFont typeface="Arial" panose="02080604020202020204" pitchFamily="34" charset="0"/>
         <a:buChar char="•"/>
         <a:defRPr sz="2400" kern="1200">
           <a:solidFill>
@@ -9680,7 +9680,7 @@
         <a:spcBef>
           <a:spcPts val="500"/>
         </a:spcBef>
-        <a:buFont typeface="Arial" panose="020B0604020202020204" pitchFamily="34" charset="0"/>
+        <a:buFont typeface="Arial" panose="02080604020202020204" pitchFamily="34" charset="0"/>
         <a:buChar char="•"/>
         <a:defRPr sz="2000" kern="1200">
           <a:solidFill>
@@ -9698,7 +9698,7 @@
         <a:spcBef>
           <a:spcPts val="500"/>
         </a:spcBef>
-        <a:buFont typeface="Arial" panose="020B0604020202020204" pitchFamily="34" charset="0"/>
+        <a:buFont typeface="Arial" panose="02080604020202020204" pitchFamily="34" charset="0"/>
         <a:buChar char="•"/>
         <a:defRPr sz="1800" kern="1200">
           <a:solidFill>
@@ -9716,7 +9716,7 @@
         <a:spcBef>
           <a:spcPts val="500"/>
         </a:spcBef>
-        <a:buFont typeface="Arial" panose="020B0604020202020204" pitchFamily="34" charset="0"/>
+        <a:buFont typeface="Arial" panose="02080604020202020204" pitchFamily="34" charset="0"/>
         <a:buChar char="•"/>
         <a:defRPr sz="1800" kern="1200">
           <a:solidFill>
@@ -9734,7 +9734,7 @@
         <a:spcBef>
           <a:spcPts val="500"/>
         </a:spcBef>
-        <a:buFont typeface="Arial" panose="020B0604020202020204" pitchFamily="34" charset="0"/>
+        <a:buFont typeface="Arial" panose="02080604020202020204" pitchFamily="34" charset="0"/>
         <a:buChar char="•"/>
         <a:defRPr sz="1800" kern="1200">
           <a:solidFill>
@@ -9752,7 +9752,7 @@
         <a:spcBef>
           <a:spcPts val="500"/>
         </a:spcBef>
-        <a:buFont typeface="Arial" panose="020B0604020202020204" pitchFamily="34" charset="0"/>
+        <a:buFont typeface="Arial" panose="02080604020202020204" pitchFamily="34" charset="0"/>
         <a:buChar char="•"/>
         <a:defRPr sz="1800" kern="1200">
           <a:solidFill>
@@ -9770,7 +9770,7 @@
         <a:spcBef>
           <a:spcPts val="500"/>
         </a:spcBef>
-        <a:buFont typeface="Arial" panose="020B0604020202020204" pitchFamily="34" charset="0"/>
+        <a:buFont typeface="Arial" panose="02080604020202020204" pitchFamily="34" charset="0"/>
         <a:buChar char="•"/>
         <a:defRPr sz="1800" kern="1200">
           <a:solidFill>
@@ -9788,7 +9788,7 @@
         <a:spcBef>
           <a:spcPts val="500"/>
         </a:spcBef>
-        <a:buFont typeface="Arial" panose="020B0604020202020204" pitchFamily="34" charset="0"/>
+        <a:buFont typeface="Arial" panose="02080604020202020204" pitchFamily="34" charset="0"/>
         <a:buChar char="•"/>
         <a:defRPr sz="1800" kern="1200">
           <a:solidFill>
@@ -10235,7 +10235,7 @@
         <a:spcBef>
           <a:spcPts val="1000"/>
         </a:spcBef>
-        <a:buFont typeface="Arial" panose="020B0604020202020204" pitchFamily="34" charset="0"/>
+        <a:buFont typeface="Arial" panose="02080604020202020204" pitchFamily="34" charset="0"/>
         <a:buChar char="•"/>
         <a:defRPr sz="2800" kern="1200">
           <a:solidFill>
@@ -10253,7 +10253,7 @@
         <a:spcBef>
           <a:spcPts val="500"/>
         </a:spcBef>
-        <a:buFont typeface="Arial" panose="020B0604020202020204" pitchFamily="34" charset="0"/>
+        <a:buFont typeface="Arial" panose="02080604020202020204" pitchFamily="34" charset="0"/>
         <a:buChar char="•"/>
         <a:defRPr sz="2400" kern="1200">
           <a:solidFill>
@@ -10271,7 +10271,7 @@
         <a:spcBef>
           <a:spcPts val="500"/>
         </a:spcBef>
-        <a:buFont typeface="Arial" panose="020B0604020202020204" pitchFamily="34" charset="0"/>
+        <a:buFont typeface="Arial" panose="02080604020202020204" pitchFamily="34" charset="0"/>
         <a:buChar char="•"/>
         <a:defRPr sz="2000" kern="1200">
           <a:solidFill>
@@ -10289,7 +10289,7 @@
         <a:spcBef>
           <a:spcPts val="500"/>
         </a:spcBef>
-        <a:buFont typeface="Arial" panose="020B0604020202020204" pitchFamily="34" charset="0"/>
+        <a:buFont typeface="Arial" panose="02080604020202020204" pitchFamily="34" charset="0"/>
         <a:buChar char="•"/>
         <a:defRPr sz="1800" kern="1200">
           <a:solidFill>
@@ -10307,7 +10307,7 @@
         <a:spcBef>
           <a:spcPts val="500"/>
         </a:spcBef>
-        <a:buFont typeface="Arial" panose="020B0604020202020204" pitchFamily="34" charset="0"/>
+        <a:buFont typeface="Arial" panose="02080604020202020204" pitchFamily="34" charset="0"/>
         <a:buChar char="•"/>
         <a:defRPr sz="1800" kern="1200">
           <a:solidFill>
@@ -10325,7 +10325,7 @@
         <a:spcBef>
           <a:spcPts val="500"/>
         </a:spcBef>
-        <a:buFont typeface="Arial" panose="020B0604020202020204" pitchFamily="34" charset="0"/>
+        <a:buFont typeface="Arial" panose="02080604020202020204" pitchFamily="34" charset="0"/>
         <a:buChar char="•"/>
         <a:defRPr sz="1800" kern="1200">
           <a:solidFill>
@@ -10343,7 +10343,7 @@
         <a:spcBef>
           <a:spcPts val="500"/>
         </a:spcBef>
-        <a:buFont typeface="Arial" panose="020B0604020202020204" pitchFamily="34" charset="0"/>
+        <a:buFont typeface="Arial" panose="02080604020202020204" pitchFamily="34" charset="0"/>
         <a:buChar char="•"/>
         <a:defRPr sz="1800" kern="1200">
           <a:solidFill>
@@ -10361,7 +10361,7 @@
         <a:spcBef>
           <a:spcPts val="500"/>
         </a:spcBef>
-        <a:buFont typeface="Arial" panose="020B0604020202020204" pitchFamily="34" charset="0"/>
+        <a:buFont typeface="Arial" panose="02080604020202020204" pitchFamily="34" charset="0"/>
         <a:buChar char="•"/>
         <a:defRPr sz="1800" kern="1200">
           <a:solidFill>
@@ -10379,7 +10379,7 @@
         <a:spcBef>
           <a:spcPts val="500"/>
         </a:spcBef>
-        <a:buFont typeface="Arial" panose="020B0604020202020204" pitchFamily="34" charset="0"/>
+        <a:buFont typeface="Arial" panose="02080604020202020204" pitchFamily="34" charset="0"/>
         <a:buChar char="•"/>
         <a:defRPr sz="1800" kern="1200">
           <a:solidFill>
@@ -10825,7 +10825,7 @@
         <a:spcBef>
           <a:spcPts val="1000"/>
         </a:spcBef>
-        <a:buFont typeface="Arial" panose="020B0604020202020204" pitchFamily="34" charset="0"/>
+        <a:buFont typeface="Arial" panose="02080604020202020204" pitchFamily="34" charset="0"/>
         <a:buChar char="•"/>
         <a:defRPr sz="2800" kern="1200">
           <a:solidFill>
@@ -10843,7 +10843,7 @@
         <a:spcBef>
           <a:spcPts val="500"/>
         </a:spcBef>
-        <a:buFont typeface="Arial" panose="020B0604020202020204" pitchFamily="34" charset="0"/>
+        <a:buFont typeface="Arial" panose="02080604020202020204" pitchFamily="34" charset="0"/>
         <a:buChar char="•"/>
         <a:defRPr sz="2400" kern="1200">
           <a:solidFill>
@@ -10861,7 +10861,7 @@
         <a:spcBef>
           <a:spcPts val="500"/>
         </a:spcBef>
-        <a:buFont typeface="Arial" panose="020B0604020202020204" pitchFamily="34" charset="0"/>
+        <a:buFont typeface="Arial" panose="02080604020202020204" pitchFamily="34" charset="0"/>
         <a:buChar char="•"/>
         <a:defRPr sz="2000" kern="1200">
           <a:solidFill>
@@ -10879,7 +10879,7 @@
         <a:spcBef>
           <a:spcPts val="500"/>
         </a:spcBef>
-        <a:buFont typeface="Arial" panose="020B0604020202020204" pitchFamily="34" charset="0"/>
+        <a:buFont typeface="Arial" panose="02080604020202020204" pitchFamily="34" charset="0"/>
         <a:buChar char="•"/>
         <a:defRPr sz="1800" kern="1200">
           <a:solidFill>
@@ -10897,7 +10897,7 @@
         <a:spcBef>
           <a:spcPts val="500"/>
         </a:spcBef>
-        <a:buFont typeface="Arial" panose="020B0604020202020204" pitchFamily="34" charset="0"/>
+        <a:buFont typeface="Arial" panose="02080604020202020204" pitchFamily="34" charset="0"/>
         <a:buChar char="•"/>
         <a:defRPr sz="1800" kern="1200">
           <a:solidFill>
@@ -10915,7 +10915,7 @@
         <a:spcBef>
           <a:spcPts val="500"/>
         </a:spcBef>
-        <a:buFont typeface="Arial" panose="020B0604020202020204" pitchFamily="34" charset="0"/>
+        <a:buFont typeface="Arial" panose="02080604020202020204" pitchFamily="34" charset="0"/>
         <a:buChar char="•"/>
         <a:defRPr sz="1800" kern="1200">
           <a:solidFill>
@@ -10933,7 +10933,7 @@
         <a:spcBef>
           <a:spcPts val="500"/>
         </a:spcBef>
-        <a:buFont typeface="Arial" panose="020B0604020202020204" pitchFamily="34" charset="0"/>
+        <a:buFont typeface="Arial" panose="02080604020202020204" pitchFamily="34" charset="0"/>
         <a:buChar char="•"/>
         <a:defRPr sz="1800" kern="1200">
           <a:solidFill>
@@ -10951,7 +10951,7 @@
         <a:spcBef>
           <a:spcPts val="500"/>
         </a:spcBef>
-        <a:buFont typeface="Arial" panose="020B0604020202020204" pitchFamily="34" charset="0"/>
+        <a:buFont typeface="Arial" panose="02080604020202020204" pitchFamily="34" charset="0"/>
         <a:buChar char="•"/>
         <a:defRPr sz="1800" kern="1200">
           <a:solidFill>
@@ -10969,7 +10969,7 @@
         <a:spcBef>
           <a:spcPts val="500"/>
         </a:spcBef>
-        <a:buFont typeface="Arial" panose="020B0604020202020204" pitchFamily="34" charset="0"/>
+        <a:buFont typeface="Arial" panose="02080604020202020204" pitchFamily="34" charset="0"/>
         <a:buChar char="•"/>
         <a:defRPr sz="1800" kern="1200">
           <a:solidFill>
@@ -11415,7 +11415,7 @@
         <a:spcBef>
           <a:spcPts val="1000"/>
         </a:spcBef>
-        <a:buFont typeface="Arial" panose="020B0604020202020204" pitchFamily="34" charset="0"/>
+        <a:buFont typeface="Arial" panose="02080604020202020204" pitchFamily="34" charset="0"/>
         <a:buChar char="•"/>
         <a:defRPr sz="2800" kern="1200">
           <a:solidFill>
@@ -11433,7 +11433,7 @@
         <a:spcBef>
           <a:spcPts val="500"/>
         </a:spcBef>
-        <a:buFont typeface="Arial" panose="020B0604020202020204" pitchFamily="34" charset="0"/>
+        <a:buFont typeface="Arial" panose="02080604020202020204" pitchFamily="34" charset="0"/>
         <a:buChar char="•"/>
         <a:defRPr sz="2400" kern="1200">
           <a:solidFill>
@@ -11451,7 +11451,7 @@
         <a:spcBef>
           <a:spcPts val="500"/>
         </a:spcBef>
-        <a:buFont typeface="Arial" panose="020B0604020202020204" pitchFamily="34" charset="0"/>
+        <a:buFont typeface="Arial" panose="02080604020202020204" pitchFamily="34" charset="0"/>
         <a:buChar char="•"/>
         <a:defRPr sz="2000" kern="1200">
           <a:solidFill>
@@ -11469,7 +11469,7 @@
         <a:spcBef>
           <a:spcPts val="500"/>
         </a:spcBef>
-        <a:buFont typeface="Arial" panose="020B0604020202020204" pitchFamily="34" charset="0"/>
+        <a:buFont typeface="Arial" panose="02080604020202020204" pitchFamily="34" charset="0"/>
         <a:buChar char="•"/>
         <a:defRPr sz="1800" kern="1200">
           <a:solidFill>
@@ -11487,7 +11487,7 @@
         <a:spcBef>
           <a:spcPts val="500"/>
         </a:spcBef>
-        <a:buFont typeface="Arial" panose="020B0604020202020204" pitchFamily="34" charset="0"/>
+        <a:buFont typeface="Arial" panose="02080604020202020204" pitchFamily="34" charset="0"/>
         <a:buChar char="•"/>
         <a:defRPr sz="1800" kern="1200">
           <a:solidFill>
@@ -11505,7 +11505,7 @@
         <a:spcBef>
           <a:spcPts val="500"/>
         </a:spcBef>
-        <a:buFont typeface="Arial" panose="020B0604020202020204" pitchFamily="34" charset="0"/>
+        <a:buFont typeface="Arial" panose="02080604020202020204" pitchFamily="34" charset="0"/>
         <a:buChar char="•"/>
         <a:defRPr sz="1800" kern="1200">
           <a:solidFill>
@@ -11523,7 +11523,7 @@
         <a:spcBef>
           <a:spcPts val="500"/>
         </a:spcBef>
-        <a:buFont typeface="Arial" panose="020B0604020202020204" pitchFamily="34" charset="0"/>
+        <a:buFont typeface="Arial" panose="02080604020202020204" pitchFamily="34" charset="0"/>
         <a:buChar char="•"/>
         <a:defRPr sz="1800" kern="1200">
           <a:solidFill>
@@ -11541,7 +11541,7 @@
         <a:spcBef>
           <a:spcPts val="500"/>
         </a:spcBef>
-        <a:buFont typeface="Arial" panose="020B0604020202020204" pitchFamily="34" charset="0"/>
+        <a:buFont typeface="Arial" panose="02080604020202020204" pitchFamily="34" charset="0"/>
         <a:buChar char="•"/>
         <a:defRPr sz="1800" kern="1200">
           <a:solidFill>
@@ -11559,7 +11559,7 @@
         <a:spcBef>
           <a:spcPts val="500"/>
         </a:spcBef>
-        <a:buFont typeface="Arial" panose="020B0604020202020204" pitchFamily="34" charset="0"/>
+        <a:buFont typeface="Arial" panose="02080604020202020204" pitchFamily="34" charset="0"/>
         <a:buChar char="•"/>
         <a:defRPr sz="1800" kern="1200">
           <a:solidFill>
@@ -31659,37 +31659,6 @@
           <a:chExt cx="0" cy="0"/>
         </a:xfrm>
       </p:grpSpPr>
-      <p:pic>
-        <p:nvPicPr>
-          <p:cNvPr id="4" name="Imagem 3"/>
-          <p:cNvPicPr>
-            <a:picLocks noChangeAspect="true"/>
-          </p:cNvPicPr>
-          <p:nvPr/>
-        </p:nvPicPr>
-        <p:blipFill rotWithShape="true">
-          <a:blip r:embed="rId1">
-            <a:extLst>
-              <a:ext uri="{28A0092B-C50C-407E-A947-70E740481C1C}">
-                <a14:useLocalDpi xmlns:a14="http://schemas.microsoft.com/office/drawing/2010/main" val="false"/>
-              </a:ext>
-            </a:extLst>
-          </a:blip>
-          <a:srcRect b="2903"/>
-          <a:stretch>
-            <a:fillRect/>
-          </a:stretch>
-        </p:blipFill>
-        <p:spPr>
-          <a:xfrm>
-            <a:off x="849482" y="0"/>
-            <a:ext cx="7636905" cy="5143500"/>
-          </a:xfrm>
-          <a:prstGeom prst="rect">
-            <a:avLst/>
-          </a:prstGeom>
-        </p:spPr>
-      </p:pic>
       <p:sp>
         <p:nvSpPr>
           <p:cNvPr id="6" name="CustomShape 1"/>
@@ -31798,6 +31767,30 @@
           <a:fontRef idx="minor"/>
         </p:style>
       </p:sp>
+      <p:pic>
+        <p:nvPicPr>
+          <p:cNvPr id="2" name="Picture 1" descr="DiagramaClassePantec"/>
+          <p:cNvPicPr>
+            <a:picLocks noChangeAspect="true"/>
+          </p:cNvPicPr>
+          <p:nvPr/>
+        </p:nvPicPr>
+        <p:blipFill>
+          <a:blip r:embed="rId1"/>
+          <a:stretch>
+            <a:fillRect/>
+          </a:stretch>
+        </p:blipFill>
+        <p:spPr>
+          <a:xfrm>
+            <a:off x="1029970" y="-5080"/>
+            <a:ext cx="7755890" cy="5153660"/>
+          </a:xfrm>
+          <a:prstGeom prst="rect">
+            <a:avLst/>
+          </a:prstGeom>
+        </p:spPr>
+      </p:pic>
     </p:spTree>
   </p:cSld>
   <p:clrMapOvr>
